--- a/Simulación de Peticiones.pptx
+++ b/Simulación de Peticiones.pptx
@@ -1140,7 +1140,7 @@
       </p:grpSpPr>
       <p:sp>
         <p:nvSpPr>
-          <p:cNvPr id="179" name="Google Shape;179;g3571912cbcd_1_0:notes"/>
+          <p:cNvPr id="179" name="Google Shape;179;g3571912cbcd_1_34:notes"/>
           <p:cNvSpPr/>
           <p:nvPr>
             <p:ph idx="2" type="sldImg"/>
@@ -1175,7 +1175,7 @@
       </p:sp>
       <p:sp>
         <p:nvSpPr>
-          <p:cNvPr id="180" name="Google Shape;180;g3571912cbcd_1_0:notes"/>
+          <p:cNvPr id="180" name="Google Shape;180;g3571912cbcd_1_34:notes"/>
           <p:cNvSpPr txBox="1"/>
           <p:nvPr>
             <p:ph idx="1" type="body"/>
@@ -1239,7 +1239,7 @@
       </p:grpSpPr>
       <p:sp>
         <p:nvSpPr>
-          <p:cNvPr id="188" name="Google Shape;188;g3571912cbcd_1_34:notes"/>
+          <p:cNvPr id="188" name="Google Shape;188;g3571912cbcd_1_26:notes"/>
           <p:cNvSpPr/>
           <p:nvPr>
             <p:ph idx="2" type="sldImg"/>
@@ -1274,7 +1274,7 @@
       </p:sp>
       <p:sp>
         <p:nvSpPr>
-          <p:cNvPr id="189" name="Google Shape;189;g3571912cbcd_1_34:notes"/>
+          <p:cNvPr id="189" name="Google Shape;189;g3571912cbcd_1_26:notes"/>
           <p:cNvSpPr txBox="1"/>
           <p:nvPr>
             <p:ph idx="1" type="body"/>
@@ -1338,7 +1338,7 @@
       </p:grpSpPr>
       <p:sp>
         <p:nvSpPr>
-          <p:cNvPr id="197" name="Google Shape;197;g3571912cbcd_1_26:notes"/>
+          <p:cNvPr id="197" name="Google Shape;197;g3571912cbcd_1_0:notes"/>
           <p:cNvSpPr/>
           <p:nvPr>
             <p:ph idx="2" type="sldImg"/>
@@ -1373,7 +1373,7 @@
       </p:sp>
       <p:sp>
         <p:nvSpPr>
-          <p:cNvPr id="198" name="Google Shape;198;g3571912cbcd_1_26:notes"/>
+          <p:cNvPr id="198" name="Google Shape;198;g3571912cbcd_1_0:notes"/>
           <p:cNvSpPr txBox="1"/>
           <p:nvPr>
             <p:ph idx="1" type="body"/>
@@ -9305,7 +9305,7 @@
             </a:r>
             <a:r>
               <a:rPr lang="es"/>
-              <a:t>os componentes de tipo POST están preparados para atender consultas más complejas y tienen un tiempo de atención dado (TA_Complejas) por otra fdp Log-Normal. El 70 % de las consultas son complejas.</a:t>
+              <a:t>os componentes de tipo POST están preparados para atender consultas más complejas y tienen un tiempo de atención dado (TA_Complejas) por otra fdp Log-Normal.</a:t>
             </a:r>
             <a:endParaRPr/>
           </a:p>
@@ -9664,7 +9664,7 @@
                 <a:cs typeface="Raleway"/>
                 <a:sym typeface="Raleway"/>
               </a:rPr>
-              <a:t> actual</a:t>
+              <a:t> óptimo</a:t>
             </a:r>
             <a:endParaRPr sz="1800">
               <a:solidFill>
@@ -9722,7 +9722,7 @@
                 <a:cs typeface="Raleway Medium"/>
                 <a:sym typeface="Raleway Medium"/>
               </a:rPr>
-              <a:t>Escenario intermedio</a:t>
+              <a:t>Escenario actual</a:t>
             </a:r>
             <a:endParaRPr sz="1800">
               <a:solidFill>
@@ -9780,19 +9780,7 @@
                 <a:cs typeface="Raleway Medium"/>
                 <a:sym typeface="Raleway Medium"/>
               </a:rPr>
-              <a:t>Escenario </a:t>
-            </a:r>
-            <a:r>
-              <a:rPr lang="es" sz="1800">
-                <a:solidFill>
-                  <a:schemeClr val="dk2"/>
-                </a:solidFill>
-                <a:latin typeface="Raleway Medium"/>
-                <a:ea typeface="Raleway Medium"/>
-                <a:cs typeface="Raleway Medium"/>
-                <a:sym typeface="Raleway Medium"/>
-              </a:rPr>
-              <a:t>óptimo</a:t>
+              <a:t>Escenario intermedio</a:t>
             </a:r>
             <a:endParaRPr sz="1800">
               <a:solidFill>
@@ -10482,8 +10470,8 @@
         </p:nvSpPr>
         <p:spPr>
           <a:xfrm>
-            <a:off x="2531800" y="1347488"/>
-            <a:ext cx="2266800" cy="535200"/>
+            <a:off x="2498200" y="1318650"/>
+            <a:ext cx="2706000" cy="535200"/>
           </a:xfrm>
           <a:prstGeom prst="rect">
             <a:avLst/>
@@ -10537,7 +10525,7 @@
       </p:sp>
       <p:pic>
         <p:nvPicPr>
-          <p:cNvPr id="184" name="Google Shape;184;p25" title="Captura de pantalla 2025-05-09 194440.png"/>
+          <p:cNvPr id="184" name="Google Shape;184;p25" title="Captura de pantalla 2025-05-09 195303.png"/>
           <p:cNvPicPr preferRelativeResize="0"/>
           <p:nvPr/>
         </p:nvPicPr>
@@ -10551,8 +10539,8 @@
         </p:blipFill>
         <p:spPr>
           <a:xfrm>
-            <a:off x="152400" y="1938238"/>
-            <a:ext cx="4712224" cy="1267025"/>
+            <a:off x="152400" y="2035100"/>
+            <a:ext cx="4762399" cy="1169050"/>
           </a:xfrm>
           <a:prstGeom prst="rect">
             <a:avLst/>
@@ -10565,22 +10553,21 @@
       </p:pic>
       <p:pic>
         <p:nvPicPr>
-          <p:cNvPr id="185" name="Google Shape;185;p25" title="Captura de pantalla 2025-05-09 194445.png"/>
+          <p:cNvPr id="185" name="Google Shape;185;p25" title="Captura de pantalla 2025-05-09 195323.png"/>
           <p:cNvPicPr preferRelativeResize="0"/>
           <p:nvPr/>
         </p:nvPicPr>
-        <p:blipFill>
+        <p:blipFill rotWithShape="1">
           <a:blip r:embed="rId4">
             <a:alphaModFix/>
           </a:blip>
-          <a:stretch>
-            <a:fillRect/>
-          </a:stretch>
+          <a:srcRect b="10209" l="0" r="-644" t="0"/>
+          <a:stretch/>
         </p:blipFill>
         <p:spPr>
           <a:xfrm>
-            <a:off x="152400" y="3646325"/>
-            <a:ext cx="4712226" cy="1326450"/>
+            <a:off x="4986550" y="1452650"/>
+            <a:ext cx="4021874" cy="3428124"/>
           </a:xfrm>
           <a:prstGeom prst="rect">
             <a:avLst/>
@@ -10593,21 +10580,22 @@
       </p:pic>
       <p:pic>
         <p:nvPicPr>
-          <p:cNvPr id="186" name="Google Shape;186;p25" title="Captura de pantalla 2025-05-09 194842.png"/>
+          <p:cNvPr id="186" name="Google Shape;186;p25" title="Captura de pantalla 2025-05-09 195313.png"/>
           <p:cNvPicPr preferRelativeResize="0"/>
           <p:nvPr/>
         </p:nvPicPr>
-        <p:blipFill rotWithShape="1">
+        <p:blipFill>
           <a:blip r:embed="rId5">
             <a:alphaModFix/>
           </a:blip>
-          <a:srcRect b="5490" l="0" r="0" t="0"/>
-          <a:stretch/>
+          <a:stretch>
+            <a:fillRect/>
+          </a:stretch>
         </p:blipFill>
         <p:spPr>
           <a:xfrm>
-            <a:off x="5026225" y="1462425"/>
-            <a:ext cx="3892200" cy="3510350"/>
+            <a:off x="197225" y="3507000"/>
+            <a:ext cx="4665051" cy="1373775"/>
           </a:xfrm>
           <a:prstGeom prst="rect">
             <a:avLst/>
@@ -10706,8 +10694,8 @@
         </p:nvSpPr>
         <p:spPr>
           <a:xfrm>
-            <a:off x="2498200" y="1318650"/>
-            <a:ext cx="2706000" cy="535200"/>
+            <a:off x="2531800" y="1347500"/>
+            <a:ext cx="2678700" cy="535200"/>
           </a:xfrm>
           <a:prstGeom prst="rect">
             <a:avLst/>
@@ -10761,7 +10749,7 @@
       </p:sp>
       <p:pic>
         <p:nvPicPr>
-          <p:cNvPr id="193" name="Google Shape;193;p26" title="Captura de pantalla 2025-05-09 195303.png"/>
+          <p:cNvPr id="193" name="Google Shape;193;p26" title="Captura de pantalla 2025-05-09 195825.png"/>
           <p:cNvPicPr preferRelativeResize="0"/>
           <p:nvPr/>
         </p:nvPicPr>
@@ -10775,8 +10763,8 @@
         </p:blipFill>
         <p:spPr>
           <a:xfrm>
-            <a:off x="152400" y="2035100"/>
-            <a:ext cx="4762399" cy="1169050"/>
+            <a:off x="5507275" y="1347500"/>
+            <a:ext cx="3346475" cy="3723373"/>
           </a:xfrm>
           <a:prstGeom prst="rect">
             <a:avLst/>
@@ -10789,21 +10777,22 @@
       </p:pic>
       <p:pic>
         <p:nvPicPr>
-          <p:cNvPr id="194" name="Google Shape;194;p26" title="Captura de pantalla 2025-05-09 195323.png"/>
+          <p:cNvPr id="194" name="Google Shape;194;p26" title="Captura de pantalla 2025-05-09 195818.png"/>
           <p:cNvPicPr preferRelativeResize="0"/>
           <p:nvPr/>
         </p:nvPicPr>
-        <p:blipFill rotWithShape="1">
+        <p:blipFill>
           <a:blip r:embed="rId4">
             <a:alphaModFix/>
           </a:blip>
-          <a:srcRect b="10209" l="0" r="-644" t="0"/>
-          <a:stretch/>
+          <a:stretch>
+            <a:fillRect/>
+          </a:stretch>
         </p:blipFill>
         <p:spPr>
           <a:xfrm>
-            <a:off x="4986550" y="1452650"/>
-            <a:ext cx="4021874" cy="3428124"/>
+            <a:off x="303500" y="3466100"/>
+            <a:ext cx="4988676" cy="1414907"/>
           </a:xfrm>
           <a:prstGeom prst="rect">
             <a:avLst/>
@@ -10816,7 +10805,7 @@
       </p:pic>
       <p:pic>
         <p:nvPicPr>
-          <p:cNvPr id="195" name="Google Shape;195;p26" title="Captura de pantalla 2025-05-09 195313.png"/>
+          <p:cNvPr id="195" name="Google Shape;195;p26" title="Captura de pantalla 2025-05-09 195812.png"/>
           <p:cNvPicPr preferRelativeResize="0"/>
           <p:nvPr/>
         </p:nvPicPr>
@@ -10830,8 +10819,8 @@
         </p:blipFill>
         <p:spPr>
           <a:xfrm>
-            <a:off x="197225" y="3507000"/>
-            <a:ext cx="4665051" cy="1373775"/>
+            <a:off x="328151" y="2015250"/>
+            <a:ext cx="4939376" cy="1171125"/>
           </a:xfrm>
           <a:prstGeom prst="rect">
             <a:avLst/>
@@ -10985,7 +10974,7 @@
       </p:sp>
       <p:pic>
         <p:nvPicPr>
-          <p:cNvPr id="202" name="Google Shape;202;p27" title="Captura de pantalla 2025-05-09 195825.png"/>
+          <p:cNvPr id="202" name="Google Shape;202;p27" title="Captura de pantalla 2025-05-09 194440.png"/>
           <p:cNvPicPr preferRelativeResize="0"/>
           <p:nvPr/>
         </p:nvPicPr>
@@ -10999,8 +10988,8 @@
         </p:blipFill>
         <p:spPr>
           <a:xfrm>
-            <a:off x="5507275" y="1347500"/>
-            <a:ext cx="3346475" cy="3723373"/>
+            <a:off x="152400" y="1938238"/>
+            <a:ext cx="4712224" cy="1267025"/>
           </a:xfrm>
           <a:prstGeom prst="rect">
             <a:avLst/>
@@ -11013,7 +11002,7 @@
       </p:pic>
       <p:pic>
         <p:nvPicPr>
-          <p:cNvPr id="203" name="Google Shape;203;p27" title="Captura de pantalla 2025-05-09 195818.png"/>
+          <p:cNvPr id="203" name="Google Shape;203;p27" title="Captura de pantalla 2025-05-09 194445.png"/>
           <p:cNvPicPr preferRelativeResize="0"/>
           <p:nvPr/>
         </p:nvPicPr>
@@ -11027,8 +11016,8 @@
         </p:blipFill>
         <p:spPr>
           <a:xfrm>
-            <a:off x="303500" y="3466100"/>
-            <a:ext cx="4988676" cy="1414907"/>
+            <a:off x="152400" y="3646325"/>
+            <a:ext cx="4712226" cy="1326450"/>
           </a:xfrm>
           <a:prstGeom prst="rect">
             <a:avLst/>
@@ -11041,22 +11030,21 @@
       </p:pic>
       <p:pic>
         <p:nvPicPr>
-          <p:cNvPr id="204" name="Google Shape;204;p27" title="Captura de pantalla 2025-05-09 195812.png"/>
+          <p:cNvPr id="204" name="Google Shape;204;p27" title="Captura de pantalla 2025-05-09 194842.png"/>
           <p:cNvPicPr preferRelativeResize="0"/>
           <p:nvPr/>
         </p:nvPicPr>
-        <p:blipFill>
+        <p:blipFill rotWithShape="1">
           <a:blip r:embed="rId5">
             <a:alphaModFix/>
           </a:blip>
-          <a:stretch>
-            <a:fillRect/>
-          </a:stretch>
+          <a:srcRect b="5490" l="0" r="0" t="0"/>
+          <a:stretch/>
         </p:blipFill>
         <p:spPr>
           <a:xfrm>
-            <a:off x="328151" y="2015250"/>
-            <a:ext cx="4939376" cy="1171125"/>
+            <a:off x="5026225" y="1462425"/>
+            <a:ext cx="3892200" cy="3510350"/>
           </a:xfrm>
           <a:prstGeom prst="rect">
             <a:avLst/>
@@ -12150,7 +12138,7 @@
             <a:tbl>
               <a:tblPr>
                 <a:noFill/>
-                <a:tableStyleId>{AE2B889A-2D80-417E-B853-8D70C25AFFC7}</a:tableStyleId>
+                <a:tableStyleId>{B9025CC8-620C-4C69-B8CC-FBBE81ADCBA9}</a:tableStyleId>
               </a:tblPr>
               <a:tblGrid>
                 <a:gridCol w="1809750"/>

--- a/Simulación de Peticiones.pptx
+++ b/Simulación de Peticiones.pptx
@@ -1239,7 +1239,7 @@
       </p:grpSpPr>
       <p:sp>
         <p:nvSpPr>
-          <p:cNvPr id="188" name="Google Shape;188;g3571912cbcd_1_26:notes"/>
+          <p:cNvPr id="188" name="Google Shape;188;g3571912cbcd_1_0:notes"/>
           <p:cNvSpPr/>
           <p:nvPr>
             <p:ph idx="2" type="sldImg"/>
@@ -1274,7 +1274,7 @@
       </p:sp>
       <p:sp>
         <p:nvSpPr>
-          <p:cNvPr id="189" name="Google Shape;189;g3571912cbcd_1_26:notes"/>
+          <p:cNvPr id="189" name="Google Shape;189;g3571912cbcd_1_0:notes"/>
           <p:cNvSpPr txBox="1"/>
           <p:nvPr>
             <p:ph idx="1" type="body"/>
@@ -1338,7 +1338,7 @@
       </p:grpSpPr>
       <p:sp>
         <p:nvSpPr>
-          <p:cNvPr id="197" name="Google Shape;197;g3571912cbcd_1_0:notes"/>
+          <p:cNvPr id="197" name="Google Shape;197;g3571912cbcd_1_26:notes"/>
           <p:cNvSpPr/>
           <p:nvPr>
             <p:ph idx="2" type="sldImg"/>
@@ -1373,7 +1373,7 @@
       </p:sp>
       <p:sp>
         <p:nvSpPr>
-          <p:cNvPr id="198" name="Google Shape;198;g3571912cbcd_1_0:notes"/>
+          <p:cNvPr id="198" name="Google Shape;198;g3571912cbcd_1_26:notes"/>
           <p:cNvSpPr txBox="1"/>
           <p:nvPr>
             <p:ph idx="1" type="body"/>
@@ -9664,7 +9664,7 @@
                 <a:cs typeface="Raleway"/>
                 <a:sym typeface="Raleway"/>
               </a:rPr>
-              <a:t> óptimo</a:t>
+              <a:t> intermedio</a:t>
             </a:r>
             <a:endParaRPr sz="1800">
               <a:solidFill>
@@ -9780,7 +9780,7 @@
                 <a:cs typeface="Raleway Medium"/>
                 <a:sym typeface="Raleway Medium"/>
               </a:rPr>
-              <a:t>Escenario intermedio</a:t>
+              <a:t>Escenario óptimo</a:t>
             </a:r>
             <a:endParaRPr sz="1800">
               <a:solidFill>
@@ -10694,8 +10694,8 @@
         </p:nvSpPr>
         <p:spPr>
           <a:xfrm>
-            <a:off x="2531800" y="1347500"/>
-            <a:ext cx="2678700" cy="535200"/>
+            <a:off x="2531800" y="1347488"/>
+            <a:ext cx="2266800" cy="535200"/>
           </a:xfrm>
           <a:prstGeom prst="rect">
             <a:avLst/>
@@ -10749,7 +10749,7 @@
       </p:sp>
       <p:pic>
         <p:nvPicPr>
-          <p:cNvPr id="193" name="Google Shape;193;p26" title="Captura de pantalla 2025-05-09 195825.png"/>
+          <p:cNvPr id="193" name="Google Shape;193;p26" title="Captura de pantalla 2025-05-09 194440.png"/>
           <p:cNvPicPr preferRelativeResize="0"/>
           <p:nvPr/>
         </p:nvPicPr>
@@ -10763,8 +10763,8 @@
         </p:blipFill>
         <p:spPr>
           <a:xfrm>
-            <a:off x="5507275" y="1347500"/>
-            <a:ext cx="3346475" cy="3723373"/>
+            <a:off x="152400" y="1938238"/>
+            <a:ext cx="4712224" cy="1267025"/>
           </a:xfrm>
           <a:prstGeom prst="rect">
             <a:avLst/>
@@ -10777,7 +10777,7 @@
       </p:pic>
       <p:pic>
         <p:nvPicPr>
-          <p:cNvPr id="194" name="Google Shape;194;p26" title="Captura de pantalla 2025-05-09 195818.png"/>
+          <p:cNvPr id="194" name="Google Shape;194;p26" title="Captura de pantalla 2025-05-09 194445.png"/>
           <p:cNvPicPr preferRelativeResize="0"/>
           <p:nvPr/>
         </p:nvPicPr>
@@ -10791,8 +10791,8 @@
         </p:blipFill>
         <p:spPr>
           <a:xfrm>
-            <a:off x="303500" y="3466100"/>
-            <a:ext cx="4988676" cy="1414907"/>
+            <a:off x="152400" y="3646325"/>
+            <a:ext cx="4712226" cy="1326450"/>
           </a:xfrm>
           <a:prstGeom prst="rect">
             <a:avLst/>
@@ -10805,22 +10805,21 @@
       </p:pic>
       <p:pic>
         <p:nvPicPr>
-          <p:cNvPr id="195" name="Google Shape;195;p26" title="Captura de pantalla 2025-05-09 195812.png"/>
+          <p:cNvPr id="195" name="Google Shape;195;p26" title="Captura de pantalla 2025-05-09 194842.png"/>
           <p:cNvPicPr preferRelativeResize="0"/>
           <p:nvPr/>
         </p:nvPicPr>
-        <p:blipFill>
+        <p:blipFill rotWithShape="1">
           <a:blip r:embed="rId5">
             <a:alphaModFix/>
           </a:blip>
-          <a:stretch>
-            <a:fillRect/>
-          </a:stretch>
+          <a:srcRect b="5490" l="0" r="0" t="0"/>
+          <a:stretch/>
         </p:blipFill>
         <p:spPr>
           <a:xfrm>
-            <a:off x="328151" y="2015250"/>
-            <a:ext cx="4939376" cy="1171125"/>
+            <a:off x="5026225" y="1462425"/>
+            <a:ext cx="3892200" cy="3510350"/>
           </a:xfrm>
           <a:prstGeom prst="rect">
             <a:avLst/>
@@ -10919,8 +10918,8 @@
         </p:nvSpPr>
         <p:spPr>
           <a:xfrm>
-            <a:off x="2531800" y="1347488"/>
-            <a:ext cx="2266800" cy="535200"/>
+            <a:off x="2531800" y="1347500"/>
+            <a:ext cx="2678700" cy="535200"/>
           </a:xfrm>
           <a:prstGeom prst="rect">
             <a:avLst/>
@@ -10970,11 +10969,37 @@
               <a:sym typeface="Raleway"/>
             </a:endParaRPr>
           </a:p>
+          <a:p>
+            <a:pPr indent="0" lvl="0" marL="0" marR="0" rtl="0" algn="l">
+              <a:lnSpc>
+                <a:spcPct val="100000"/>
+              </a:lnSpc>
+              <a:spcBef>
+                <a:spcPts val="0"/>
+              </a:spcBef>
+              <a:spcAft>
+                <a:spcPts val="0"/>
+              </a:spcAft>
+              <a:buNone/>
+            </a:pPr>
+            <a:r>
+              <a:t/>
+            </a:r>
+            <a:endParaRPr sz="1900">
+              <a:solidFill>
+                <a:schemeClr val="dk2"/>
+              </a:solidFill>
+              <a:latin typeface="Raleway"/>
+              <a:ea typeface="Raleway"/>
+              <a:cs typeface="Raleway"/>
+              <a:sym typeface="Raleway"/>
+            </a:endParaRPr>
+          </a:p>
         </p:txBody>
       </p:sp>
       <p:pic>
         <p:nvPicPr>
-          <p:cNvPr id="202" name="Google Shape;202;p27" title="Captura de pantalla 2025-05-09 194440.png"/>
+          <p:cNvPr id="202" name="Google Shape;202;p27" title="Captura de pantalla 2025-05-09 195825.png"/>
           <p:cNvPicPr preferRelativeResize="0"/>
           <p:nvPr/>
         </p:nvPicPr>
@@ -10988,8 +11013,8 @@
         </p:blipFill>
         <p:spPr>
           <a:xfrm>
-            <a:off x="152400" y="1938238"/>
-            <a:ext cx="4712224" cy="1267025"/>
+            <a:off x="5507275" y="1347500"/>
+            <a:ext cx="3346475" cy="3723373"/>
           </a:xfrm>
           <a:prstGeom prst="rect">
             <a:avLst/>
@@ -11002,7 +11027,7 @@
       </p:pic>
       <p:pic>
         <p:nvPicPr>
-          <p:cNvPr id="203" name="Google Shape;203;p27" title="Captura de pantalla 2025-05-09 194445.png"/>
+          <p:cNvPr id="203" name="Google Shape;203;p27" title="Captura de pantalla 2025-05-09 195818.png"/>
           <p:cNvPicPr preferRelativeResize="0"/>
           <p:nvPr/>
         </p:nvPicPr>
@@ -11016,8 +11041,8 @@
         </p:blipFill>
         <p:spPr>
           <a:xfrm>
-            <a:off x="152400" y="3646325"/>
-            <a:ext cx="4712226" cy="1326450"/>
+            <a:off x="303500" y="3466100"/>
+            <a:ext cx="4988676" cy="1414907"/>
           </a:xfrm>
           <a:prstGeom prst="rect">
             <a:avLst/>
@@ -11030,21 +11055,22 @@
       </p:pic>
       <p:pic>
         <p:nvPicPr>
-          <p:cNvPr id="204" name="Google Shape;204;p27" title="Captura de pantalla 2025-05-09 194842.png"/>
+          <p:cNvPr id="204" name="Google Shape;204;p27" title="Captura de pantalla 2025-05-09 195812.png"/>
           <p:cNvPicPr preferRelativeResize="0"/>
           <p:nvPr/>
         </p:nvPicPr>
-        <p:blipFill rotWithShape="1">
+        <p:blipFill>
           <a:blip r:embed="rId5">
             <a:alphaModFix/>
           </a:blip>
-          <a:srcRect b="5490" l="0" r="0" t="0"/>
-          <a:stretch/>
+          <a:stretch>
+            <a:fillRect/>
+          </a:stretch>
         </p:blipFill>
         <p:spPr>
           <a:xfrm>
-            <a:off x="5026225" y="1462425"/>
-            <a:ext cx="3892200" cy="3510350"/>
+            <a:off x="328151" y="2015250"/>
+            <a:ext cx="4939376" cy="1171125"/>
           </a:xfrm>
           <a:prstGeom prst="rect">
             <a:avLst/>
@@ -12138,7 +12164,7 @@
             <a:tbl>
               <a:tblPr>
                 <a:noFill/>
-                <a:tableStyleId>{B9025CC8-620C-4C69-B8CC-FBBE81ADCBA9}</a:tableStyleId>
+                <a:tableStyleId>{B27A61A2-D777-4C85-A653-30AD4423CE85}</a:tableStyleId>
               </a:tblPr>
               <a:tblGrid>
                 <a:gridCol w="1809750"/>

--- a/Simulación de Peticiones.pptx
+++ b/Simulación de Peticiones.pptx
@@ -10694,8 +10694,8 @@
         </p:nvSpPr>
         <p:spPr>
           <a:xfrm>
-            <a:off x="2531800" y="1347488"/>
-            <a:ext cx="2266800" cy="535200"/>
+            <a:off x="2545500" y="1318650"/>
+            <a:ext cx="3477000" cy="535200"/>
           </a:xfrm>
           <a:prstGeom prst="rect">
             <a:avLst/>
@@ -10918,7 +10918,7 @@
         </p:nvSpPr>
         <p:spPr>
           <a:xfrm>
-            <a:off x="2531800" y="1347500"/>
+            <a:off x="2518100" y="1480050"/>
             <a:ext cx="2678700" cy="535200"/>
           </a:xfrm>
           <a:prstGeom prst="rect">
@@ -11160,8 +11160,8 @@
         </p:nvSpPr>
         <p:spPr>
           <a:xfrm>
-            <a:off x="729450" y="1744400"/>
-            <a:ext cx="8163900" cy="2975100"/>
+            <a:off x="729450" y="1799125"/>
+            <a:ext cx="8271600" cy="3180300"/>
           </a:xfrm>
           <a:prstGeom prst="rect">
             <a:avLst/>
@@ -11169,7 +11169,7 @@
         </p:spPr>
         <p:txBody>
           <a:bodyPr anchorCtr="0" anchor="t" bIns="91425" lIns="91425" spcFirstLastPara="1" rIns="91425" wrap="square" tIns="91425">
-            <a:normAutofit fontScale="47500" lnSpcReduction="10000"/>
+            <a:normAutofit fontScale="55000"/>
           </a:bodyPr>
           <a:lstStyle/>
           <a:p>
@@ -11183,10 +11183,10 @@
               <a:buNone/>
             </a:pPr>
             <a:r>
-              <a:rPr lang="es" sz="2700"/>
-              <a:t>En el presente trabajo práctico de simulación, se abordó la optimización de un sistema de peticiones simples y complejas mediante la determinación del número adecuado de nodos y la evaluación del porcentaje de tiempo ocioso asociado a cada uno. A través de la aplicación de modelos de simulación y análisis de datos, buscamos el escenario más favorable.</a:t>
-            </a:r>
-            <a:endParaRPr sz="2700"/>
+              <a:rPr lang="es" sz="3041"/>
+              <a:t>En el presente trabajo práctico de simulación, se abordó la optimización de un sistema de peticiones simples y complejas mediante la determinación del número adecuado de nodos y la evaluación del porcentaje de tiempo ocioso asociado a cada uno. </a:t>
+            </a:r>
+            <a:endParaRPr sz="3041"/>
           </a:p>
           <a:p>
             <a:pPr indent="0" lvl="0" marL="0" rtl="0" algn="l">
@@ -11194,29 +11194,13 @@
                 <a:spcPts val="1200"/>
               </a:spcBef>
               <a:spcAft>
-                <a:spcPts val="0"/>
+                <a:spcPts val="1200"/>
               </a:spcAft>
               <a:buNone/>
             </a:pPr>
             <a:r>
-              <a:rPr lang="es" sz="2700"/>
+              <a:rPr lang="es" sz="3041"/>
               <a:t>Los resultados obtenidos permitieron establecer que un número adecuado de nodos no solo mejora la eficiencia operativa en lo que al tiempo de respuesta se refiere, sino que también reduce significativamente el tiempo ocioso. A su vez observamos que en algunos escenarios a pesar de reducir el porcentaje de tiempo ocioso el tiempo de respuesta aumenta notablemente. Por lo tanto, el escenario óptimo encontrado es aquel que consigue un equilibrio entre ambas características.</a:t>
-            </a:r>
-            <a:endParaRPr sz="2700"/>
-          </a:p>
-          <a:p>
-            <a:pPr indent="0" lvl="0" marL="0" rtl="0" algn="l">
-              <a:spcBef>
-                <a:spcPts val="1200"/>
-              </a:spcBef>
-              <a:spcAft>
-                <a:spcPts val="1200"/>
-              </a:spcAft>
-              <a:buNone/>
-            </a:pPr>
-            <a:r>
-              <a:rPr lang="es" sz="2700"/>
-              <a:t>La simulación demostró ser una herramienta valiosa para la toma de decisiones, sobre todo en la etapa de planificación dentro de un proyecto. La implementación de los escenarios óptimos identificados no solo mejora la eficiencia del sistema, sino que también contribuye a una gestión más efectiva de los recursos disponibles.</a:t>
             </a:r>
             <a:endParaRPr/>
           </a:p>
@@ -12164,7 +12148,7 @@
             <a:tbl>
               <a:tblPr>
                 <a:noFill/>
-                <a:tableStyleId>{B27A61A2-D777-4C85-A653-30AD4423CE85}</a:tableStyleId>
+                <a:tableStyleId>{CA119919-BD61-4AC6-BF1E-5A10B46844D1}</a:tableStyleId>
               </a:tblPr>
               <a:tblGrid>
                 <a:gridCol w="1809750"/>
@@ -12737,7 +12721,7 @@
             </a:pPr>
             <a:r>
               <a:rPr lang="es" sz="1600"/>
-              <a:t> TPS (N) = Tiempo de próxima salida de nodo simple</a:t>
+              <a:t> TPS_GET (N) = Tiempo de próxima salida de nodo simple</a:t>
             </a:r>
             <a:endParaRPr sz="1600"/>
           </a:p>
@@ -12753,7 +12737,7 @@
             </a:pPr>
             <a:r>
               <a:rPr lang="es" sz="1600"/>
-              <a:t> TPS (M) = Tiempo de próxima salida de nodo complejo</a:t>
+              <a:t> TPS_POST (M) = Tiempo de próxima salida de nodo complejo</a:t>
             </a:r>
             <a:endParaRPr sz="1600"/>
           </a:p>
@@ -13742,6 +13726,285 @@
 </file>
 
 <file path=ppt/theme/theme1.xml><?xml version="1.0" encoding="utf-8"?>
+<a:theme xmlns:a="http://schemas.openxmlformats.org/drawingml/2006/main" xmlns:r="http://schemas.openxmlformats.org/officeDocument/2006/relationships" name="Streamline">
+  <a:themeElements>
+    <a:clrScheme name="Streamline">
+      <a:dk1>
+        <a:srgbClr val="1A9988"/>
+      </a:dk1>
+      <a:lt1>
+        <a:srgbClr val="FFFFFF"/>
+      </a:lt1>
+      <a:dk2>
+        <a:srgbClr val="1A1A1A"/>
+      </a:dk2>
+      <a:lt2>
+        <a:srgbClr val="E9EDEE"/>
+      </a:lt2>
+      <a:accent1>
+        <a:srgbClr val="595959"/>
+      </a:accent1>
+      <a:accent2>
+        <a:srgbClr val="6AA4C8"/>
+      </a:accent2>
+      <a:accent3>
+        <a:srgbClr val="EB5600"/>
+      </a:accent3>
+      <a:accent4>
+        <a:srgbClr val="A2FFE8"/>
+      </a:accent4>
+      <a:accent5>
+        <a:srgbClr val="1C3678"/>
+      </a:accent5>
+      <a:accent6>
+        <a:srgbClr val="FFB8A2"/>
+      </a:accent6>
+      <a:hlink>
+        <a:srgbClr val="1C3678"/>
+      </a:hlink>
+      <a:folHlink>
+        <a:srgbClr val="1C3678"/>
+      </a:folHlink>
+    </a:clrScheme>
+    <a:fontScheme name="Office">
+      <a:majorFont>
+        <a:latin typeface="Arial"/>
+        <a:ea typeface=""/>
+        <a:cs typeface=""/>
+        <a:font script="Jpan" typeface="ＭＳ Ｐゴシック"/>
+        <a:font script="Hang" typeface="맑은 고딕"/>
+        <a:font script="Hans" typeface="宋体"/>
+        <a:font script="Hant" typeface="新細明體"/>
+        <a:font script="Arab" typeface="Times New Roman"/>
+        <a:font script="Hebr" typeface="Times New Roman"/>
+        <a:font script="Thai" typeface="Angsana New"/>
+        <a:font script="Ethi" typeface="Nyala"/>
+        <a:font script="Beng" typeface="Vrinda"/>
+        <a:font script="Gujr" typeface="Shruti"/>
+        <a:font script="Khmr" typeface="MoolBoran"/>
+        <a:font script="Knda" typeface="Tunga"/>
+        <a:font script="Guru" typeface="Raavi"/>
+        <a:font script="Cans" typeface="Euphemia"/>
+        <a:font script="Cher" typeface="Plantagenet Cherokee"/>
+        <a:font script="Yiii" typeface="Microsoft Yi Baiti"/>
+        <a:font script="Tibt" typeface="Microsoft Himalaya"/>
+        <a:font script="Thaa" typeface="MV Boli"/>
+        <a:font script="Deva" typeface="Mangal"/>
+        <a:font script="Telu" typeface="Gautami"/>
+        <a:font script="Taml" typeface="Latha"/>
+        <a:font script="Syrc" typeface="Estrangelo Edessa"/>
+        <a:font script="Orya" typeface="Kalinga"/>
+        <a:font script="Mlym" typeface="Kartika"/>
+        <a:font script="Laoo" typeface="DokChampa"/>
+        <a:font script="Sinh" typeface="Iskoola Pota"/>
+        <a:font script="Mong" typeface="Mongolian Baiti"/>
+        <a:font script="Viet" typeface="Times New Roman"/>
+        <a:font script="Uigh" typeface="Microsoft Uighur"/>
+        <a:font script="Geor" typeface="Sylfaen"/>
+      </a:majorFont>
+      <a:minorFont>
+        <a:latin typeface="Arial"/>
+        <a:ea typeface=""/>
+        <a:cs typeface=""/>
+        <a:font script="Jpan" typeface="ＭＳ Ｐゴシック"/>
+        <a:font script="Hang" typeface="맑은 고딕"/>
+        <a:font script="Hans" typeface="宋体"/>
+        <a:font script="Hant" typeface="新細明體"/>
+        <a:font script="Arab" typeface="Arial"/>
+        <a:font script="Hebr" typeface="Arial"/>
+        <a:font script="Thai" typeface="Cordia New"/>
+        <a:font script="Ethi" typeface="Nyala"/>
+        <a:font script="Beng" typeface="Vrinda"/>
+        <a:font script="Gujr" typeface="Shruti"/>
+        <a:font script="Khmr" typeface="DaunPenh"/>
+        <a:font script="Knda" typeface="Tunga"/>
+        <a:font script="Guru" typeface="Raavi"/>
+        <a:font script="Cans" typeface="Euphemia"/>
+        <a:font script="Cher" typeface="Plantagenet Cherokee"/>
+        <a:font script="Yiii" typeface="Microsoft Yi Baiti"/>
+        <a:font script="Tibt" typeface="Microsoft Himalaya"/>
+        <a:font script="Thaa" typeface="MV Boli"/>
+        <a:font script="Deva" typeface="Mangal"/>
+        <a:font script="Telu" typeface="Gautami"/>
+        <a:font script="Taml" typeface="Latha"/>
+        <a:font script="Syrc" typeface="Estrangelo Edessa"/>
+        <a:font script="Orya" typeface="Kalinga"/>
+        <a:font script="Mlym" typeface="Kartika"/>
+        <a:font script="Laoo" typeface="DokChampa"/>
+        <a:font script="Sinh" typeface="Iskoola Pota"/>
+        <a:font script="Mong" typeface="Mongolian Baiti"/>
+        <a:font script="Viet" typeface="Arial"/>
+        <a:font script="Uigh" typeface="Microsoft Uighur"/>
+        <a:font script="Geor" typeface="Sylfaen"/>
+      </a:minorFont>
+    </a:fontScheme>
+    <a:fmtScheme name="Office">
+      <a:fillStyleLst>
+        <a:solidFill>
+          <a:schemeClr val="phClr"/>
+        </a:solidFill>
+        <a:gradFill rotWithShape="1">
+          <a:gsLst>
+            <a:gs pos="0">
+              <a:schemeClr val="phClr">
+                <a:tint val="50000"/>
+                <a:satMod val="300000"/>
+              </a:schemeClr>
+            </a:gs>
+            <a:gs pos="35000">
+              <a:schemeClr val="phClr">
+                <a:tint val="37000"/>
+                <a:satMod val="300000"/>
+              </a:schemeClr>
+            </a:gs>
+            <a:gs pos="100000">
+              <a:schemeClr val="phClr">
+                <a:tint val="15000"/>
+                <a:satMod val="350000"/>
+              </a:schemeClr>
+            </a:gs>
+          </a:gsLst>
+          <a:lin ang="16200000" scaled="1"/>
+        </a:gradFill>
+        <a:gradFill rotWithShape="1">
+          <a:gsLst>
+            <a:gs pos="0">
+              <a:schemeClr val="phClr">
+                <a:tint val="100000"/>
+                <a:shade val="100000"/>
+                <a:satMod val="130000"/>
+              </a:schemeClr>
+            </a:gs>
+            <a:gs pos="100000">
+              <a:schemeClr val="phClr">
+                <a:tint val="50000"/>
+                <a:shade val="100000"/>
+                <a:satMod val="350000"/>
+              </a:schemeClr>
+            </a:gs>
+          </a:gsLst>
+          <a:lin ang="16200000" scaled="0"/>
+        </a:gradFill>
+      </a:fillStyleLst>
+      <a:lnStyleLst>
+        <a:ln w="9525" cap="flat" cmpd="sng" algn="ctr">
+          <a:solidFill>
+            <a:schemeClr val="phClr">
+              <a:shade val="95000"/>
+              <a:satMod val="105000"/>
+            </a:schemeClr>
+          </a:solidFill>
+          <a:prstDash val="solid"/>
+        </a:ln>
+        <a:ln w="25400" cap="flat" cmpd="sng" algn="ctr">
+          <a:solidFill>
+            <a:schemeClr val="phClr"/>
+          </a:solidFill>
+          <a:prstDash val="solid"/>
+        </a:ln>
+        <a:ln w="38100" cap="flat" cmpd="sng" algn="ctr">
+          <a:solidFill>
+            <a:schemeClr val="phClr"/>
+          </a:solidFill>
+          <a:prstDash val="solid"/>
+        </a:ln>
+      </a:lnStyleLst>
+      <a:effectStyleLst>
+        <a:effectStyle>
+          <a:effectLst>
+            <a:outerShdw blurRad="40000" dist="20000" dir="5400000" rotWithShape="0">
+              <a:srgbClr val="000000">
+                <a:alpha val="38000"/>
+              </a:srgbClr>
+            </a:outerShdw>
+          </a:effectLst>
+        </a:effectStyle>
+        <a:effectStyle>
+          <a:effectLst>
+            <a:outerShdw blurRad="40000" dist="23000" dir="5400000" rotWithShape="0">
+              <a:srgbClr val="000000">
+                <a:alpha val="35000"/>
+              </a:srgbClr>
+            </a:outerShdw>
+          </a:effectLst>
+        </a:effectStyle>
+        <a:effectStyle>
+          <a:effectLst>
+            <a:outerShdw blurRad="40000" dist="23000" dir="5400000" rotWithShape="0">
+              <a:srgbClr val="000000">
+                <a:alpha val="35000"/>
+              </a:srgbClr>
+            </a:outerShdw>
+          </a:effectLst>
+          <a:scene3d>
+            <a:camera prst="orthographicFront">
+              <a:rot lat="0" lon="0" rev="0"/>
+            </a:camera>
+            <a:lightRig rig="threePt" dir="t">
+              <a:rot lat="0" lon="0" rev="1200000"/>
+            </a:lightRig>
+          </a:scene3d>
+          <a:sp3d>
+            <a:bevelT w="63500" h="25400"/>
+          </a:sp3d>
+        </a:effectStyle>
+      </a:effectStyleLst>
+      <a:bgFillStyleLst>
+        <a:solidFill>
+          <a:schemeClr val="phClr"/>
+        </a:solidFill>
+        <a:gradFill rotWithShape="1">
+          <a:gsLst>
+            <a:gs pos="0">
+              <a:schemeClr val="phClr">
+                <a:tint val="40000"/>
+                <a:satMod val="350000"/>
+              </a:schemeClr>
+            </a:gs>
+            <a:gs pos="40000">
+              <a:schemeClr val="phClr">
+                <a:tint val="45000"/>
+                <a:shade val="99000"/>
+                <a:satMod val="350000"/>
+              </a:schemeClr>
+            </a:gs>
+            <a:gs pos="100000">
+              <a:schemeClr val="phClr">
+                <a:shade val="20000"/>
+                <a:satMod val="255000"/>
+              </a:schemeClr>
+            </a:gs>
+          </a:gsLst>
+          <a:path path="circle">
+            <a:fillToRect l="50000" t="-80000" r="50000" b="180000"/>
+          </a:path>
+        </a:gradFill>
+        <a:gradFill rotWithShape="1">
+          <a:gsLst>
+            <a:gs pos="0">
+              <a:schemeClr val="phClr">
+                <a:tint val="80000"/>
+                <a:satMod val="300000"/>
+              </a:schemeClr>
+            </a:gs>
+            <a:gs pos="100000">
+              <a:schemeClr val="phClr">
+                <a:shade val="30000"/>
+                <a:satMod val="200000"/>
+              </a:schemeClr>
+            </a:gs>
+          </a:gsLst>
+          <a:path path="circle">
+            <a:fillToRect l="50000" t="50000" r="50000" b="50000"/>
+          </a:path>
+        </a:gradFill>
+      </a:bgFillStyleLst>
+    </a:fmtScheme>
+  </a:themeElements>
+</a:theme>
+</file>
+
+<file path=ppt/theme/theme2.xml><?xml version="1.0" encoding="utf-8"?>
 <a:theme xmlns:a="http://schemas.openxmlformats.org/drawingml/2006/main" xmlns:r="http://schemas.openxmlformats.org/officeDocument/2006/relationships">
   <a:themeElements>
     <a:clrScheme name="Default">
@@ -14018,283 +14281,4 @@
     </a:fmtScheme>
   </a:themeElements>
 </a:theme>
-</file>
-
-<file path=ppt/theme/theme2.xml><?xml version="1.0" encoding="utf-8"?>
-<a:theme xmlns:a="http://schemas.openxmlformats.org/drawingml/2006/main" xmlns:r="http://schemas.openxmlformats.org/officeDocument/2006/relationships" name="Streamline">
-  <a:themeElements>
-    <a:clrScheme name="Streamline">
-      <a:dk1>
-        <a:srgbClr val="1A9988"/>
-      </a:dk1>
-      <a:lt1>
-        <a:srgbClr val="FFFFFF"/>
-      </a:lt1>
-      <a:dk2>
-        <a:srgbClr val="1A1A1A"/>
-      </a:dk2>
-      <a:lt2>
-        <a:srgbClr val="E9EDEE"/>
-      </a:lt2>
-      <a:accent1>
-        <a:srgbClr val="595959"/>
-      </a:accent1>
-      <a:accent2>
-        <a:srgbClr val="6AA4C8"/>
-      </a:accent2>
-      <a:accent3>
-        <a:srgbClr val="EB5600"/>
-      </a:accent3>
-      <a:accent4>
-        <a:srgbClr val="A2FFE8"/>
-      </a:accent4>
-      <a:accent5>
-        <a:srgbClr val="1C3678"/>
-      </a:accent5>
-      <a:accent6>
-        <a:srgbClr val="FFB8A2"/>
-      </a:accent6>
-      <a:hlink>
-        <a:srgbClr val="1C3678"/>
-      </a:hlink>
-      <a:folHlink>
-        <a:srgbClr val="1C3678"/>
-      </a:folHlink>
-    </a:clrScheme>
-    <a:fontScheme name="Office">
-      <a:majorFont>
-        <a:latin typeface="Arial"/>
-        <a:ea typeface=""/>
-        <a:cs typeface=""/>
-        <a:font script="Jpan" typeface="ＭＳ Ｐゴシック"/>
-        <a:font script="Hang" typeface="맑은 고딕"/>
-        <a:font script="Hans" typeface="宋体"/>
-        <a:font script="Hant" typeface="新細明體"/>
-        <a:font script="Arab" typeface="Times New Roman"/>
-        <a:font script="Hebr" typeface="Times New Roman"/>
-        <a:font script="Thai" typeface="Angsana New"/>
-        <a:font script="Ethi" typeface="Nyala"/>
-        <a:font script="Beng" typeface="Vrinda"/>
-        <a:font script="Gujr" typeface="Shruti"/>
-        <a:font script="Khmr" typeface="MoolBoran"/>
-        <a:font script="Knda" typeface="Tunga"/>
-        <a:font script="Guru" typeface="Raavi"/>
-        <a:font script="Cans" typeface="Euphemia"/>
-        <a:font script="Cher" typeface="Plantagenet Cherokee"/>
-        <a:font script="Yiii" typeface="Microsoft Yi Baiti"/>
-        <a:font script="Tibt" typeface="Microsoft Himalaya"/>
-        <a:font script="Thaa" typeface="MV Boli"/>
-        <a:font script="Deva" typeface="Mangal"/>
-        <a:font script="Telu" typeface="Gautami"/>
-        <a:font script="Taml" typeface="Latha"/>
-        <a:font script="Syrc" typeface="Estrangelo Edessa"/>
-        <a:font script="Orya" typeface="Kalinga"/>
-        <a:font script="Mlym" typeface="Kartika"/>
-        <a:font script="Laoo" typeface="DokChampa"/>
-        <a:font script="Sinh" typeface="Iskoola Pota"/>
-        <a:font script="Mong" typeface="Mongolian Baiti"/>
-        <a:font script="Viet" typeface="Times New Roman"/>
-        <a:font script="Uigh" typeface="Microsoft Uighur"/>
-        <a:font script="Geor" typeface="Sylfaen"/>
-      </a:majorFont>
-      <a:minorFont>
-        <a:latin typeface="Arial"/>
-        <a:ea typeface=""/>
-        <a:cs typeface=""/>
-        <a:font script="Jpan" typeface="ＭＳ Ｐゴシック"/>
-        <a:font script="Hang" typeface="맑은 고딕"/>
-        <a:font script="Hans" typeface="宋体"/>
-        <a:font script="Hant" typeface="新細明體"/>
-        <a:font script="Arab" typeface="Arial"/>
-        <a:font script="Hebr" typeface="Arial"/>
-        <a:font script="Thai" typeface="Cordia New"/>
-        <a:font script="Ethi" typeface="Nyala"/>
-        <a:font script="Beng" typeface="Vrinda"/>
-        <a:font script="Gujr" typeface="Shruti"/>
-        <a:font script="Khmr" typeface="DaunPenh"/>
-        <a:font script="Knda" typeface="Tunga"/>
-        <a:font script="Guru" typeface="Raavi"/>
-        <a:font script="Cans" typeface="Euphemia"/>
-        <a:font script="Cher" typeface="Plantagenet Cherokee"/>
-        <a:font script="Yiii" typeface="Microsoft Yi Baiti"/>
-        <a:font script="Tibt" typeface="Microsoft Himalaya"/>
-        <a:font script="Thaa" typeface="MV Boli"/>
-        <a:font script="Deva" typeface="Mangal"/>
-        <a:font script="Telu" typeface="Gautami"/>
-        <a:font script="Taml" typeface="Latha"/>
-        <a:font script="Syrc" typeface="Estrangelo Edessa"/>
-        <a:font script="Orya" typeface="Kalinga"/>
-        <a:font script="Mlym" typeface="Kartika"/>
-        <a:font script="Laoo" typeface="DokChampa"/>
-        <a:font script="Sinh" typeface="Iskoola Pota"/>
-        <a:font script="Mong" typeface="Mongolian Baiti"/>
-        <a:font script="Viet" typeface="Arial"/>
-        <a:font script="Uigh" typeface="Microsoft Uighur"/>
-        <a:font script="Geor" typeface="Sylfaen"/>
-      </a:minorFont>
-    </a:fontScheme>
-    <a:fmtScheme name="Office">
-      <a:fillStyleLst>
-        <a:solidFill>
-          <a:schemeClr val="phClr"/>
-        </a:solidFill>
-        <a:gradFill rotWithShape="1">
-          <a:gsLst>
-            <a:gs pos="0">
-              <a:schemeClr val="phClr">
-                <a:tint val="50000"/>
-                <a:satMod val="300000"/>
-              </a:schemeClr>
-            </a:gs>
-            <a:gs pos="35000">
-              <a:schemeClr val="phClr">
-                <a:tint val="37000"/>
-                <a:satMod val="300000"/>
-              </a:schemeClr>
-            </a:gs>
-            <a:gs pos="100000">
-              <a:schemeClr val="phClr">
-                <a:tint val="15000"/>
-                <a:satMod val="350000"/>
-              </a:schemeClr>
-            </a:gs>
-          </a:gsLst>
-          <a:lin ang="16200000" scaled="1"/>
-        </a:gradFill>
-        <a:gradFill rotWithShape="1">
-          <a:gsLst>
-            <a:gs pos="0">
-              <a:schemeClr val="phClr">
-                <a:tint val="100000"/>
-                <a:shade val="100000"/>
-                <a:satMod val="130000"/>
-              </a:schemeClr>
-            </a:gs>
-            <a:gs pos="100000">
-              <a:schemeClr val="phClr">
-                <a:tint val="50000"/>
-                <a:shade val="100000"/>
-                <a:satMod val="350000"/>
-              </a:schemeClr>
-            </a:gs>
-          </a:gsLst>
-          <a:lin ang="16200000" scaled="0"/>
-        </a:gradFill>
-      </a:fillStyleLst>
-      <a:lnStyleLst>
-        <a:ln w="9525" cap="flat" cmpd="sng" algn="ctr">
-          <a:solidFill>
-            <a:schemeClr val="phClr">
-              <a:shade val="95000"/>
-              <a:satMod val="105000"/>
-            </a:schemeClr>
-          </a:solidFill>
-          <a:prstDash val="solid"/>
-        </a:ln>
-        <a:ln w="25400" cap="flat" cmpd="sng" algn="ctr">
-          <a:solidFill>
-            <a:schemeClr val="phClr"/>
-          </a:solidFill>
-          <a:prstDash val="solid"/>
-        </a:ln>
-        <a:ln w="38100" cap="flat" cmpd="sng" algn="ctr">
-          <a:solidFill>
-            <a:schemeClr val="phClr"/>
-          </a:solidFill>
-          <a:prstDash val="solid"/>
-        </a:ln>
-      </a:lnStyleLst>
-      <a:effectStyleLst>
-        <a:effectStyle>
-          <a:effectLst>
-            <a:outerShdw blurRad="40000" dist="20000" dir="5400000" rotWithShape="0">
-              <a:srgbClr val="000000">
-                <a:alpha val="38000"/>
-              </a:srgbClr>
-            </a:outerShdw>
-          </a:effectLst>
-        </a:effectStyle>
-        <a:effectStyle>
-          <a:effectLst>
-            <a:outerShdw blurRad="40000" dist="23000" dir="5400000" rotWithShape="0">
-              <a:srgbClr val="000000">
-                <a:alpha val="35000"/>
-              </a:srgbClr>
-            </a:outerShdw>
-          </a:effectLst>
-        </a:effectStyle>
-        <a:effectStyle>
-          <a:effectLst>
-            <a:outerShdw blurRad="40000" dist="23000" dir="5400000" rotWithShape="0">
-              <a:srgbClr val="000000">
-                <a:alpha val="35000"/>
-              </a:srgbClr>
-            </a:outerShdw>
-          </a:effectLst>
-          <a:scene3d>
-            <a:camera prst="orthographicFront">
-              <a:rot lat="0" lon="0" rev="0"/>
-            </a:camera>
-            <a:lightRig rig="threePt" dir="t">
-              <a:rot lat="0" lon="0" rev="1200000"/>
-            </a:lightRig>
-          </a:scene3d>
-          <a:sp3d>
-            <a:bevelT w="63500" h="25400"/>
-          </a:sp3d>
-        </a:effectStyle>
-      </a:effectStyleLst>
-      <a:bgFillStyleLst>
-        <a:solidFill>
-          <a:schemeClr val="phClr"/>
-        </a:solidFill>
-        <a:gradFill rotWithShape="1">
-          <a:gsLst>
-            <a:gs pos="0">
-              <a:schemeClr val="phClr">
-                <a:tint val="40000"/>
-                <a:satMod val="350000"/>
-              </a:schemeClr>
-            </a:gs>
-            <a:gs pos="40000">
-              <a:schemeClr val="phClr">
-                <a:tint val="45000"/>
-                <a:shade val="99000"/>
-                <a:satMod val="350000"/>
-              </a:schemeClr>
-            </a:gs>
-            <a:gs pos="100000">
-              <a:schemeClr val="phClr">
-                <a:shade val="20000"/>
-                <a:satMod val="255000"/>
-              </a:schemeClr>
-            </a:gs>
-          </a:gsLst>
-          <a:path path="circle">
-            <a:fillToRect l="50000" t="-80000" r="50000" b="180000"/>
-          </a:path>
-        </a:gradFill>
-        <a:gradFill rotWithShape="1">
-          <a:gsLst>
-            <a:gs pos="0">
-              <a:schemeClr val="phClr">
-                <a:tint val="80000"/>
-                <a:satMod val="300000"/>
-              </a:schemeClr>
-            </a:gs>
-            <a:gs pos="100000">
-              <a:schemeClr val="phClr">
-                <a:shade val="30000"/>
-                <a:satMod val="200000"/>
-              </a:schemeClr>
-            </a:gs>
-          </a:gsLst>
-          <a:path path="circle">
-            <a:fillToRect l="50000" t="50000" r="50000" b="50000"/>
-          </a:path>
-        </a:gradFill>
-      </a:bgFillStyleLst>
-    </a:fmtScheme>
-  </a:themeElements>
-</a:theme>
 </file>